--- a/Powerpoints/Phase Error vs L.pptx
+++ b/Powerpoints/Phase Error vs L.pptx
@@ -6,6 +6,7 @@
   </p:sldMasterIdLst>
   <p:sldIdLst>
     <p:sldId id="256" r:id="rId2"/>
+    <p:sldId id="257" r:id="rId3"/>
   </p:sldIdLst>
   <p:sldSz cx="12192000" cy="6858000"/>
   <p:notesSz cx="6858000" cy="9144000"/>
@@ -104,6 +105,11 @@
       </a:defRPr>
     </a:lvl9pPr>
   </p:defaultTextStyle>
+  <p:extLst>
+    <p:ext uri="{EFAFB233-063F-42B5-8137-9DF3F51BA10A}">
+      <p15:sldGuideLst xmlns:p15="http://schemas.microsoft.com/office/powerpoint/2012/main"/>
+    </p:ext>
+  </p:extLst>
 </p:presentation>
 </file>
 
@@ -254,7 +260,7 @@
           <a:p>
             <a:fld id="{B2C8E0D4-D807-4A53-9BFC-852AA68703D3}" type="datetimeFigureOut">
               <a:rPr lang="en-US" smtClean="0"/>
-              <a:t>11/20/2019</a:t>
+              <a:t>11/27/2019</a:t>
             </a:fld>
             <a:endParaRPr lang="en-US"/>
           </a:p>
@@ -452,7 +458,7 @@
           <a:p>
             <a:fld id="{B2C8E0D4-D807-4A53-9BFC-852AA68703D3}" type="datetimeFigureOut">
               <a:rPr lang="en-US" smtClean="0"/>
-              <a:t>11/20/2019</a:t>
+              <a:t>11/27/2019</a:t>
             </a:fld>
             <a:endParaRPr lang="en-US"/>
           </a:p>
@@ -660,7 +666,7 @@
           <a:p>
             <a:fld id="{B2C8E0D4-D807-4A53-9BFC-852AA68703D3}" type="datetimeFigureOut">
               <a:rPr lang="en-US" smtClean="0"/>
-              <a:t>11/20/2019</a:t>
+              <a:t>11/27/2019</a:t>
             </a:fld>
             <a:endParaRPr lang="en-US"/>
           </a:p>
@@ -858,7 +864,7 @@
           <a:p>
             <a:fld id="{B2C8E0D4-D807-4A53-9BFC-852AA68703D3}" type="datetimeFigureOut">
               <a:rPr lang="en-US" smtClean="0"/>
-              <a:t>11/20/2019</a:t>
+              <a:t>11/27/2019</a:t>
             </a:fld>
             <a:endParaRPr lang="en-US"/>
           </a:p>
@@ -1133,7 +1139,7 @@
           <a:p>
             <a:fld id="{B2C8E0D4-D807-4A53-9BFC-852AA68703D3}" type="datetimeFigureOut">
               <a:rPr lang="en-US" smtClean="0"/>
-              <a:t>11/20/2019</a:t>
+              <a:t>11/27/2019</a:t>
             </a:fld>
             <a:endParaRPr lang="en-US"/>
           </a:p>
@@ -1398,7 +1404,7 @@
           <a:p>
             <a:fld id="{B2C8E0D4-D807-4A53-9BFC-852AA68703D3}" type="datetimeFigureOut">
               <a:rPr lang="en-US" smtClean="0"/>
-              <a:t>11/20/2019</a:t>
+              <a:t>11/27/2019</a:t>
             </a:fld>
             <a:endParaRPr lang="en-US"/>
           </a:p>
@@ -1810,7 +1816,7 @@
           <a:p>
             <a:fld id="{B2C8E0D4-D807-4A53-9BFC-852AA68703D3}" type="datetimeFigureOut">
               <a:rPr lang="en-US" smtClean="0"/>
-              <a:t>11/20/2019</a:t>
+              <a:t>11/27/2019</a:t>
             </a:fld>
             <a:endParaRPr lang="en-US"/>
           </a:p>
@@ -1951,7 +1957,7 @@
           <a:p>
             <a:fld id="{B2C8E0D4-D807-4A53-9BFC-852AA68703D3}" type="datetimeFigureOut">
               <a:rPr lang="en-US" smtClean="0"/>
-              <a:t>11/20/2019</a:t>
+              <a:t>11/27/2019</a:t>
             </a:fld>
             <a:endParaRPr lang="en-US"/>
           </a:p>
@@ -2064,7 +2070,7 @@
           <a:p>
             <a:fld id="{B2C8E0D4-D807-4A53-9BFC-852AA68703D3}" type="datetimeFigureOut">
               <a:rPr lang="en-US" smtClean="0"/>
-              <a:t>11/20/2019</a:t>
+              <a:t>11/27/2019</a:t>
             </a:fld>
             <a:endParaRPr lang="en-US"/>
           </a:p>
@@ -2375,7 +2381,7 @@
           <a:p>
             <a:fld id="{B2C8E0D4-D807-4A53-9BFC-852AA68703D3}" type="datetimeFigureOut">
               <a:rPr lang="en-US" smtClean="0"/>
-              <a:t>11/20/2019</a:t>
+              <a:t>11/27/2019</a:t>
             </a:fld>
             <a:endParaRPr lang="en-US"/>
           </a:p>
@@ -2663,7 +2669,7 @@
           <a:p>
             <a:fld id="{B2C8E0D4-D807-4A53-9BFC-852AA68703D3}" type="datetimeFigureOut">
               <a:rPr lang="en-US" smtClean="0"/>
-              <a:t>11/20/2019</a:t>
+              <a:t>11/27/2019</a:t>
             </a:fld>
             <a:endParaRPr lang="en-US"/>
           </a:p>
@@ -2904,7 +2910,7 @@
           <a:p>
             <a:fld id="{B2C8E0D4-D807-4A53-9BFC-852AA68703D3}" type="datetimeFigureOut">
               <a:rPr lang="en-US" smtClean="0"/>
-              <a:t>11/20/2019</a:t>
+              <a:t>11/27/2019</a:t>
             </a:fld>
             <a:endParaRPr lang="en-US"/>
           </a:p>
@@ -3548,22 +3554,29 @@
                       <m:t>=2, </m:t>
                     </m:r>
                     <m:r>
-                      <a:rPr lang="en-US" sz="2000" b="0" i="1" smtClean="0">
+                      <a:rPr lang="en-US" sz="2000" b="1" i="1" smtClean="0">
                         <a:latin typeface="Cambria Math" panose="02040503050406030204" pitchFamily="18" charset="0"/>
                         <a:ea typeface="Cambria Math" panose="02040503050406030204" pitchFamily="18" charset="0"/>
                       </a:rPr>
-                      <m:t>𝛼</m:t>
+                      <m:t>𝜶</m:t>
                     </m:r>
                     <m:r>
-                      <a:rPr lang="en-US" sz="2000" b="0" i="1" smtClean="0">
+                      <a:rPr lang="en-US" sz="2000" b="1" i="1" smtClean="0">
                         <a:latin typeface="Cambria Math" panose="02040503050406030204" pitchFamily="18" charset="0"/>
                         <a:ea typeface="Cambria Math" panose="02040503050406030204" pitchFamily="18" charset="0"/>
                       </a:rPr>
-                      <m:t>=0</m:t>
+                      <m:t>=</m:t>
+                    </m:r>
+                    <m:r>
+                      <a:rPr lang="en-US" sz="2000" b="1" i="1" smtClean="0">
+                        <a:latin typeface="Cambria Math" panose="02040503050406030204" pitchFamily="18" charset="0"/>
+                        <a:ea typeface="Cambria Math" panose="02040503050406030204" pitchFamily="18" charset="0"/>
+                      </a:rPr>
+                      <m:t>𝟎</m:t>
                     </m:r>
                   </m:oMath>
                 </a14:m>
-                <a:endParaRPr lang="en-US" sz="2000" dirty="0"/>
+                <a:endParaRPr lang="en-US" sz="2000" b="1" dirty="0"/>
               </a:p>
             </p:txBody>
           </p:sp>
@@ -3594,7 +3607,7 @@
               <a:blipFill>
                 <a:blip r:embed="rId6"/>
                 <a:stretch>
-                  <a:fillRect l="-956" t="-26000" b="-50000"/>
+                  <a:fillRect l="-956" t="-26000" r="-127" b="-50000"/>
                 </a:stretch>
               </a:blipFill>
             </p:spPr>
@@ -3720,7 +3733,9 @@
             <a:r>
               <a:rPr lang="en-US" dirty="0">
                 <a:solidFill>
-                  <a:srgbClr val="7030A0"/>
+                  <a:schemeClr val="bg2">
+                    <a:lumMod val="50000"/>
+                  </a:schemeClr>
                 </a:solidFill>
               </a:rPr>
               <a:t>L=20</a:t>
@@ -3746,6 +3761,483 @@
     <p:extLst>
       <p:ext uri="{BB962C8B-B14F-4D97-AF65-F5344CB8AC3E}">
         <p14:creationId xmlns:p14="http://schemas.microsoft.com/office/powerpoint/2010/main" val="3117370239"/>
+      </p:ext>
+    </p:extLst>
+  </p:cSld>
+  <p:clrMapOvr>
+    <a:masterClrMapping/>
+  </p:clrMapOvr>
+</p:sld>
+</file>
+
+<file path=ppt/slides/slide2.xml><?xml version="1.0" encoding="utf-8"?>
+<p:sld xmlns:a="http://schemas.openxmlformats.org/drawingml/2006/main" xmlns:r="http://schemas.openxmlformats.org/officeDocument/2006/relationships" xmlns:p="http://schemas.openxmlformats.org/presentationml/2006/main">
+  <p:cSld>
+    <p:spTree>
+      <p:nvGrpSpPr>
+        <p:cNvPr id="1" name=""/>
+        <p:cNvGrpSpPr/>
+        <p:nvPr/>
+      </p:nvGrpSpPr>
+      <p:grpSpPr>
+        <a:xfrm>
+          <a:off x="0" y="0"/>
+          <a:ext cx="0" cy="0"/>
+          <a:chOff x="0" y="0"/>
+          <a:chExt cx="0" cy="0"/>
+        </a:xfrm>
+      </p:grpSpPr>
+      <p:pic>
+        <p:nvPicPr>
+          <p:cNvPr id="4" name="Graphic 3">
+            <a:extLst>
+              <a:ext uri="{FF2B5EF4-FFF2-40B4-BE49-F238E27FC236}">
+                <a16:creationId xmlns:a16="http://schemas.microsoft.com/office/drawing/2014/main" id="{6788B10E-B4BF-4A96-9FF5-B9821D8F88AE}"/>
+              </a:ext>
+            </a:extLst>
+          </p:cNvPr>
+          <p:cNvPicPr>
+            <a:picLocks noChangeAspect="1"/>
+          </p:cNvPicPr>
+          <p:nvPr/>
+        </p:nvPicPr>
+        <p:blipFill>
+          <a:blip r:embed="rId2">
+            <a:extLst>
+              <a:ext uri="{28A0092B-C50C-407E-A947-70E740481C1C}">
+                <a14:useLocalDpi xmlns:a14="http://schemas.microsoft.com/office/drawing/2010/main" val="0"/>
+              </a:ext>
+              <a:ext uri="{96DAC541-7B7A-43D3-8B79-37D633B846F1}">
+                <asvg:svgBlip xmlns:asvg="http://schemas.microsoft.com/office/drawing/2016/SVG/main" r:embed="rId3"/>
+              </a:ext>
+            </a:extLst>
+          </a:blip>
+          <a:stretch>
+            <a:fillRect/>
+          </a:stretch>
+        </p:blipFill>
+        <p:spPr>
+          <a:xfrm>
+            <a:off x="6353175" y="1138966"/>
+            <a:ext cx="5838825" cy="4381500"/>
+          </a:xfrm>
+          <a:prstGeom prst="rect">
+            <a:avLst/>
+          </a:prstGeom>
+        </p:spPr>
+      </p:pic>
+      <p:pic>
+        <p:nvPicPr>
+          <p:cNvPr id="6" name="Graphic 5">
+            <a:extLst>
+              <a:ext uri="{FF2B5EF4-FFF2-40B4-BE49-F238E27FC236}">
+                <a16:creationId xmlns:a16="http://schemas.microsoft.com/office/drawing/2014/main" id="{671C2FB9-421A-4515-9150-7948D6F377D6}"/>
+              </a:ext>
+            </a:extLst>
+          </p:cNvPr>
+          <p:cNvPicPr>
+            <a:picLocks noChangeAspect="1"/>
+          </p:cNvPicPr>
+          <p:nvPr/>
+        </p:nvPicPr>
+        <p:blipFill>
+          <a:blip r:embed="rId4">
+            <a:extLst>
+              <a:ext uri="{28A0092B-C50C-407E-A947-70E740481C1C}">
+                <a14:useLocalDpi xmlns:a14="http://schemas.microsoft.com/office/drawing/2010/main" val="0"/>
+              </a:ext>
+              <a:ext uri="{96DAC541-7B7A-43D3-8B79-37D633B846F1}">
+                <asvg:svgBlip xmlns:asvg="http://schemas.microsoft.com/office/drawing/2016/SVG/main" r:embed="rId5"/>
+              </a:ext>
+            </a:extLst>
+          </a:blip>
+          <a:stretch>
+            <a:fillRect/>
+          </a:stretch>
+        </p:blipFill>
+        <p:spPr>
+          <a:xfrm>
+            <a:off x="130175" y="1138966"/>
+            <a:ext cx="5838825" cy="4343400"/>
+          </a:xfrm>
+          <a:prstGeom prst="rect">
+            <a:avLst/>
+          </a:prstGeom>
+        </p:spPr>
+      </p:pic>
+      <mc:AlternateContent xmlns:mc="http://schemas.openxmlformats.org/markup-compatibility/2006">
+        <mc:Choice xmlns:a14="http://schemas.microsoft.com/office/drawing/2010/main" Requires="a14">
+          <p:sp>
+            <p:nvSpPr>
+              <p:cNvPr id="7" name="TextBox 6">
+                <a:extLst>
+                  <a:ext uri="{FF2B5EF4-FFF2-40B4-BE49-F238E27FC236}">
+                    <a16:creationId xmlns:a16="http://schemas.microsoft.com/office/drawing/2014/main" id="{43B0776A-3ABC-41DC-A516-141B98C9262E}"/>
+                  </a:ext>
+                </a:extLst>
+              </p:cNvPr>
+              <p:cNvSpPr txBox="1"/>
+              <p:nvPr/>
+            </p:nvSpPr>
+            <p:spPr>
+              <a:xfrm>
+                <a:off x="1054100" y="431800"/>
+                <a:ext cx="9759851" cy="307777"/>
+              </a:xfrm>
+              <a:prstGeom prst="rect">
+                <a:avLst/>
+              </a:prstGeom>
+              <a:noFill/>
+            </p:spPr>
+            <p:txBody>
+              <a:bodyPr wrap="none" lIns="0" tIns="0" rIns="0" bIns="0" rtlCol="0">
+                <a:spAutoFit/>
+              </a:bodyPr>
+              <a:lstStyle/>
+              <a:p>
+                <a14:m>
+                  <m:oMath xmlns:m="http://schemas.openxmlformats.org/officeDocument/2006/math">
+                    <m:r>
+                      <a:rPr lang="en-US" sz="2000" i="1" smtClean="0">
+                        <a:latin typeface="Cambria Math" panose="02040503050406030204" pitchFamily="18" charset="0"/>
+                        <a:ea typeface="Cambria Math" panose="02040503050406030204" pitchFamily="18" charset="0"/>
+                      </a:rPr>
+                      <m:t>𝜇</m:t>
+                    </m:r>
+                  </m:oMath>
+                </a14:m>
+                <a:r>
+                  <a:rPr lang="en-US" sz="2000" dirty="0"/>
+                  <a:t>=0.2, J=1, </a:t>
+                </a:r>
+                <a14:m>
+                  <m:oMath xmlns:m="http://schemas.openxmlformats.org/officeDocument/2006/math">
+                    <m:r>
+                      <m:rPr>
+                        <m:sty m:val="p"/>
+                      </m:rPr>
+                      <a:rPr lang="el-GR" sz="2000" i="1" smtClean="0">
+                        <a:latin typeface="Cambria Math" panose="02040503050406030204" pitchFamily="18" charset="0"/>
+                        <a:ea typeface="Cambria Math" panose="02040503050406030204" pitchFamily="18" charset="0"/>
+                      </a:rPr>
+                      <m:t>Δ</m:t>
+                    </m:r>
+                    <m:r>
+                      <a:rPr lang="en-US" sz="2000" b="0" i="1" smtClean="0">
+                        <a:latin typeface="Cambria Math" panose="02040503050406030204" pitchFamily="18" charset="0"/>
+                        <a:ea typeface="Cambria Math" panose="02040503050406030204" pitchFamily="18" charset="0"/>
+                      </a:rPr>
+                      <m:t>=0.7, </m:t>
+                    </m:r>
+                    <m:r>
+                      <a:rPr lang="en-US" sz="2000" b="0" i="1" smtClean="0">
+                        <a:latin typeface="Cambria Math" panose="02040503050406030204" pitchFamily="18" charset="0"/>
+                        <a:ea typeface="Cambria Math" panose="02040503050406030204" pitchFamily="18" charset="0"/>
+                      </a:rPr>
+                      <m:t>𝑉𝑚𝑎𝑥</m:t>
+                    </m:r>
+                    <m:r>
+                      <a:rPr lang="en-US" sz="2000" b="0" i="1" smtClean="0">
+                        <a:latin typeface="Cambria Math" panose="02040503050406030204" pitchFamily="18" charset="0"/>
+                        <a:ea typeface="Cambria Math" panose="02040503050406030204" pitchFamily="18" charset="0"/>
+                      </a:rPr>
+                      <m:t>=0.1, </m:t>
+                    </m:r>
+                    <m:r>
+                      <a:rPr lang="en-US" sz="2000" b="0" i="1" smtClean="0">
+                        <a:latin typeface="Cambria Math" panose="02040503050406030204" pitchFamily="18" charset="0"/>
+                        <a:ea typeface="Cambria Math" panose="02040503050406030204" pitchFamily="18" charset="0"/>
+                      </a:rPr>
+                      <m:t>𝑡𝑟</m:t>
+                    </m:r>
+                    <m:r>
+                      <a:rPr lang="en-US" sz="2000" b="0" i="1" smtClean="0">
+                        <a:latin typeface="Cambria Math" panose="02040503050406030204" pitchFamily="18" charset="0"/>
+                        <a:ea typeface="Cambria Math" panose="02040503050406030204" pitchFamily="18" charset="0"/>
+                      </a:rPr>
+                      <m:t>=500, </m:t>
+                    </m:r>
+                    <m:r>
+                      <a:rPr lang="en-US" sz="2000" b="0" i="1" smtClean="0">
+                        <a:latin typeface="Cambria Math" panose="02040503050406030204" pitchFamily="18" charset="0"/>
+                        <a:ea typeface="Cambria Math" panose="02040503050406030204" pitchFamily="18" charset="0"/>
+                      </a:rPr>
+                      <m:t>𝑡𝑤</m:t>
+                    </m:r>
+                    <m:r>
+                      <a:rPr lang="en-US" sz="2000" b="0" i="1" smtClean="0">
+                        <a:latin typeface="Cambria Math" panose="02040503050406030204" pitchFamily="18" charset="0"/>
+                        <a:ea typeface="Cambria Math" panose="02040503050406030204" pitchFamily="18" charset="0"/>
+                      </a:rPr>
+                      <m:t>=3000, </m:t>
+                    </m:r>
+                    <m:r>
+                      <a:rPr lang="en-US" sz="2000" b="0" i="1" smtClean="0">
+                        <a:latin typeface="Cambria Math" panose="02040503050406030204" pitchFamily="18" charset="0"/>
+                        <a:ea typeface="Cambria Math" panose="02040503050406030204" pitchFamily="18" charset="0"/>
+                      </a:rPr>
+                      <m:t>𝑑𝑡</m:t>
+                    </m:r>
+                    <m:r>
+                      <a:rPr lang="en-US" sz="2000" b="0" i="1" smtClean="0">
+                        <a:latin typeface="Cambria Math" panose="02040503050406030204" pitchFamily="18" charset="0"/>
+                        <a:ea typeface="Cambria Math" panose="02040503050406030204" pitchFamily="18" charset="0"/>
+                      </a:rPr>
+                      <m:t>=0.01, </m:t>
+                    </m:r>
+                    <m:r>
+                      <a:rPr lang="en-US" sz="2000" b="0" i="1" smtClean="0">
+                        <a:latin typeface="Cambria Math" panose="02040503050406030204" pitchFamily="18" charset="0"/>
+                        <a:ea typeface="Cambria Math" panose="02040503050406030204" pitchFamily="18" charset="0"/>
+                      </a:rPr>
+                      <m:t>𝐵𝐷</m:t>
+                    </m:r>
+                    <m:r>
+                      <a:rPr lang="en-US" sz="2000" b="0" i="1" smtClean="0">
+                        <a:latin typeface="Cambria Math" panose="02040503050406030204" pitchFamily="18" charset="0"/>
+                        <a:ea typeface="Cambria Math" panose="02040503050406030204" pitchFamily="18" charset="0"/>
+                      </a:rPr>
+                      <m:t>=40, </m:t>
+                    </m:r>
+                    <m:r>
+                      <a:rPr lang="en-US" sz="2000" b="0" i="1" smtClean="0">
+                        <a:latin typeface="Cambria Math" panose="02040503050406030204" pitchFamily="18" charset="0"/>
+                        <a:ea typeface="Cambria Math" panose="02040503050406030204" pitchFamily="18" charset="0"/>
+                      </a:rPr>
+                      <m:t>𝑁</m:t>
+                    </m:r>
+                    <m:r>
+                      <a:rPr lang="en-US" sz="2000" b="0" i="1" smtClean="0">
+                        <a:latin typeface="Cambria Math" panose="02040503050406030204" pitchFamily="18" charset="0"/>
+                        <a:ea typeface="Cambria Math" panose="02040503050406030204" pitchFamily="18" charset="0"/>
+                      </a:rPr>
+                      <m:t>=2, </m:t>
+                    </m:r>
+                    <m:r>
+                      <a:rPr lang="en-US" sz="2000" b="1" i="1" smtClean="0">
+                        <a:latin typeface="Cambria Math" panose="02040503050406030204" pitchFamily="18" charset="0"/>
+                        <a:ea typeface="Cambria Math" panose="02040503050406030204" pitchFamily="18" charset="0"/>
+                      </a:rPr>
+                      <m:t>𝜶</m:t>
+                    </m:r>
+                    <m:r>
+                      <a:rPr lang="en-US" sz="2000" b="1" i="1" smtClean="0">
+                        <a:latin typeface="Cambria Math" panose="02040503050406030204" pitchFamily="18" charset="0"/>
+                        <a:ea typeface="Cambria Math" panose="02040503050406030204" pitchFamily="18" charset="0"/>
+                      </a:rPr>
+                      <m:t>=</m:t>
+                    </m:r>
+                    <m:r>
+                      <a:rPr lang="en-US" sz="2000" b="1" i="1" smtClean="0">
+                        <a:latin typeface="Cambria Math" panose="02040503050406030204" pitchFamily="18" charset="0"/>
+                        <a:ea typeface="Cambria Math" panose="02040503050406030204" pitchFamily="18" charset="0"/>
+                      </a:rPr>
+                      <m:t>𝟎</m:t>
+                    </m:r>
+                    <m:r>
+                      <a:rPr lang="en-US" sz="2000" b="1" i="1" smtClean="0">
+                        <a:latin typeface="Cambria Math" panose="02040503050406030204" pitchFamily="18" charset="0"/>
+                        <a:ea typeface="Cambria Math" panose="02040503050406030204" pitchFamily="18" charset="0"/>
+                      </a:rPr>
+                      <m:t>.</m:t>
+                    </m:r>
+                    <m:r>
+                      <a:rPr lang="en-US" sz="2000" b="1" i="1" smtClean="0">
+                        <a:latin typeface="Cambria Math" panose="02040503050406030204" pitchFamily="18" charset="0"/>
+                        <a:ea typeface="Cambria Math" panose="02040503050406030204" pitchFamily="18" charset="0"/>
+                      </a:rPr>
+                      <m:t>𝟕</m:t>
+                    </m:r>
+                  </m:oMath>
+                </a14:m>
+                <a:endParaRPr lang="en-US" sz="2000" b="1" dirty="0"/>
+              </a:p>
+            </p:txBody>
+          </p:sp>
+        </mc:Choice>
+        <mc:Fallback>
+          <p:sp>
+            <p:nvSpPr>
+              <p:cNvPr id="7" name="TextBox 6">
+                <a:extLst>
+                  <a:ext uri="{FF2B5EF4-FFF2-40B4-BE49-F238E27FC236}">
+                    <a16:creationId xmlns:a16="http://schemas.microsoft.com/office/drawing/2014/main" id="{43B0776A-3ABC-41DC-A516-141B98C9262E}"/>
+                  </a:ext>
+                </a:extLst>
+              </p:cNvPr>
+              <p:cNvSpPr txBox="1">
+                <a:spLocks noRot="1" noChangeAspect="1" noMove="1" noResize="1" noEditPoints="1" noAdjustHandles="1" noChangeArrowheads="1" noChangeShapeType="1" noTextEdit="1"/>
+              </p:cNvSpPr>
+              <p:nvPr/>
+            </p:nvSpPr>
+            <p:spPr>
+              <a:xfrm>
+                <a:off x="1054100" y="431800"/>
+                <a:ext cx="9759851" cy="307777"/>
+              </a:xfrm>
+              <a:prstGeom prst="rect">
+                <a:avLst/>
+              </a:prstGeom>
+              <a:blipFill>
+                <a:blip r:embed="rId6"/>
+                <a:stretch>
+                  <a:fillRect l="-937" t="-26000" r="-687" b="-50000"/>
+                </a:stretch>
+              </a:blipFill>
+            </p:spPr>
+            <p:txBody>
+              <a:bodyPr/>
+              <a:lstStyle/>
+              <a:p>
+                <a:r>
+                  <a:rPr lang="en-US">
+                    <a:noFill/>
+                  </a:rPr>
+                  <a:t> </a:t>
+                </a:r>
+              </a:p>
+            </p:txBody>
+          </p:sp>
+        </mc:Fallback>
+      </mc:AlternateContent>
+      <p:sp>
+        <p:nvSpPr>
+          <p:cNvPr id="8" name="TextBox 7">
+            <a:extLst>
+              <a:ext uri="{FF2B5EF4-FFF2-40B4-BE49-F238E27FC236}">
+                <a16:creationId xmlns:a16="http://schemas.microsoft.com/office/drawing/2014/main" id="{394DD9CF-0168-4235-8CB4-1B95DE77E2BF}"/>
+              </a:ext>
+            </a:extLst>
+          </p:cNvPr>
+          <p:cNvSpPr txBox="1"/>
+          <p:nvPr/>
+        </p:nvSpPr>
+        <p:spPr>
+          <a:xfrm>
+            <a:off x="5397500" y="1625600"/>
+            <a:ext cx="1143000" cy="1754326"/>
+          </a:xfrm>
+          <a:prstGeom prst="rect">
+            <a:avLst/>
+          </a:prstGeom>
+          <a:noFill/>
+        </p:spPr>
+        <p:txBody>
+          <a:bodyPr wrap="square" rtlCol="0">
+            <a:spAutoFit/>
+          </a:bodyPr>
+          <a:lstStyle/>
+          <a:p>
+            <a:pPr marL="285750" indent="-285750">
+              <a:buFont typeface="Arial" panose="020B0604020202020204" pitchFamily="34" charset="0"/>
+              <a:buChar char="•"/>
+            </a:pPr>
+            <a:r>
+              <a:rPr lang="en-US" dirty="0">
+                <a:solidFill>
+                  <a:schemeClr val="accent1">
+                    <a:lumMod val="75000"/>
+                  </a:schemeClr>
+                </a:solidFill>
+              </a:rPr>
+              <a:t>L=10</a:t>
+            </a:r>
+          </a:p>
+          <a:p>
+            <a:pPr marL="285750" indent="-285750">
+              <a:buFont typeface="Arial" panose="020B0604020202020204" pitchFamily="34" charset="0"/>
+              <a:buChar char="•"/>
+            </a:pPr>
+            <a:r>
+              <a:rPr lang="en-US" dirty="0">
+                <a:solidFill>
+                  <a:schemeClr val="accent2"/>
+                </a:solidFill>
+              </a:rPr>
+              <a:t>L=12</a:t>
+            </a:r>
+          </a:p>
+          <a:p>
+            <a:pPr marL="285750" indent="-285750">
+              <a:buFont typeface="Arial" panose="020B0604020202020204" pitchFamily="34" charset="0"/>
+              <a:buChar char="•"/>
+            </a:pPr>
+            <a:r>
+              <a:rPr lang="en-US" dirty="0">
+                <a:solidFill>
+                  <a:srgbClr val="00B050"/>
+                </a:solidFill>
+              </a:rPr>
+              <a:t>L=14</a:t>
+            </a:r>
+          </a:p>
+          <a:p>
+            <a:pPr marL="285750" indent="-285750">
+              <a:buFont typeface="Arial" panose="020B0604020202020204" pitchFamily="34" charset="0"/>
+              <a:buChar char="•"/>
+            </a:pPr>
+            <a:r>
+              <a:rPr lang="en-US" dirty="0">
+                <a:solidFill>
+                  <a:srgbClr val="FF0000"/>
+                </a:solidFill>
+              </a:rPr>
+              <a:t>L=16</a:t>
+            </a:r>
+          </a:p>
+          <a:p>
+            <a:pPr marL="285750" indent="-285750">
+              <a:buFont typeface="Arial" panose="020B0604020202020204" pitchFamily="34" charset="0"/>
+              <a:buChar char="•"/>
+            </a:pPr>
+            <a:r>
+              <a:rPr lang="en-US" dirty="0">
+                <a:solidFill>
+                  <a:schemeClr val="accent5"/>
+                </a:solidFill>
+              </a:rPr>
+              <a:t>L=18</a:t>
+            </a:r>
+          </a:p>
+          <a:p>
+            <a:pPr marL="285750" indent="-285750">
+              <a:buFont typeface="Arial" panose="020B0604020202020204" pitchFamily="34" charset="0"/>
+              <a:buChar char="•"/>
+            </a:pPr>
+            <a:r>
+              <a:rPr lang="en-US" dirty="0">
+                <a:solidFill>
+                  <a:schemeClr val="bg2">
+                    <a:lumMod val="50000"/>
+                  </a:schemeClr>
+                </a:solidFill>
+              </a:rPr>
+              <a:t>L</a:t>
+            </a:r>
+            <a:r>
+              <a:rPr lang="en-US">
+                <a:solidFill>
+                  <a:schemeClr val="bg2">
+                    <a:lumMod val="50000"/>
+                  </a:schemeClr>
+                </a:solidFill>
+              </a:rPr>
+              <a:t>=20</a:t>
+            </a:r>
+            <a:endParaRPr lang="en-US" dirty="0">
+              <a:solidFill>
+                <a:schemeClr val="bg2">
+                  <a:lumMod val="50000"/>
+                </a:schemeClr>
+              </a:solidFill>
+            </a:endParaRPr>
+          </a:p>
+        </p:txBody>
+      </p:sp>
+    </p:spTree>
+    <p:extLst>
+      <p:ext uri="{BB962C8B-B14F-4D97-AF65-F5344CB8AC3E}">
+        <p14:creationId xmlns:p14="http://schemas.microsoft.com/office/powerpoint/2010/main" val="1315374727"/>
       </p:ext>
     </p:extLst>
   </p:cSld>
